--- a/final/crimes-presentation.pptx
+++ b/final/crimes-presentation.pptx
@@ -12,9 +12,7 @@
     <p:sldId id="257" r:id="rId6"/>
     <p:sldId id="258" r:id="rId7"/>
     <p:sldId id="259" r:id="rId8"/>
-    <p:sldId id="260" r:id="rId9"/>
-    <p:sldId id="261" r:id="rId10"/>
-    <p:sldId id="262" r:id="rId11"/>
+    <p:sldId id="262" r:id="rId9"/>
   </p:sldIdLst>
   <p:sldSz cx="12192000" cy="6858000"/>
   <p:notesSz cx="6858000" cy="9144000"/>
@@ -5784,86 +5782,6 @@
 </p:sld>
 </file>
 
-<file path=ppt/slides/slide10.xml><?xml version="1.0" encoding="utf-8"?>
-<p:sld xmlns:a="http://schemas.openxmlformats.org/drawingml/2006/main" xmlns:r="http://schemas.openxmlformats.org/officeDocument/2006/relationships" xmlns:p="http://schemas.openxmlformats.org/presentationml/2006/main">
-  <p:cSld>
-    <p:spTree>
-      <p:nvGrpSpPr>
-        <p:cNvPr id="1" name=""/>
-        <p:cNvGrpSpPr/>
-        <p:nvPr/>
-      </p:nvGrpSpPr>
-      <p:grpSpPr>
-        <a:xfrm>
-          <a:off x="0" y="0"/>
-          <a:ext cx="0" cy="0"/>
-          <a:chOff x="0" y="0"/>
-          <a:chExt cx="0" cy="0"/>
-        </a:xfrm>
-      </p:grpSpPr>
-      <p:sp>
-        <p:nvSpPr>
-          <p:cNvPr id="2" name="Title 1">
-            <a:extLst>
-              <a:ext uri="{FF2B5EF4-FFF2-40B4-BE49-F238E27FC236}">
-                <a16:creationId xmlns:a16="http://schemas.microsoft.com/office/drawing/2014/main" id="{6C71E86A-C84B-004C-804F-5DD3345F63D3}"/>
-              </a:ext>
-            </a:extLst>
-          </p:cNvPr>
-          <p:cNvSpPr>
-            <a:spLocks noGrp="1"/>
-          </p:cNvSpPr>
-          <p:nvPr>
-            <p:ph type="title"/>
-          </p:nvPr>
-        </p:nvSpPr>
-        <p:spPr/>
-        <p:txBody>
-          <a:bodyPr/>
-          <a:lstStyle/>
-          <a:p>
-            <a:endParaRPr lang="en-US"/>
-          </a:p>
-        </p:txBody>
-      </p:sp>
-      <p:sp>
-        <p:nvSpPr>
-          <p:cNvPr id="3" name="Content Placeholder 2">
-            <a:extLst>
-              <a:ext uri="{FF2B5EF4-FFF2-40B4-BE49-F238E27FC236}">
-                <a16:creationId xmlns:a16="http://schemas.microsoft.com/office/drawing/2014/main" id="{FB4C3912-5655-F34D-B902-176C990D8F9B}"/>
-              </a:ext>
-            </a:extLst>
-          </p:cNvPr>
-          <p:cNvSpPr>
-            <a:spLocks noGrp="1"/>
-          </p:cNvSpPr>
-          <p:nvPr>
-            <p:ph idx="1"/>
-          </p:nvPr>
-        </p:nvSpPr>
-        <p:spPr/>
-        <p:txBody>
-          <a:bodyPr/>
-          <a:lstStyle/>
-          <a:p>
-            <a:endParaRPr lang="en-US"/>
-          </a:p>
-        </p:txBody>
-      </p:sp>
-    </p:spTree>
-    <p:extLst>
-      <p:ext uri="{BB962C8B-B14F-4D97-AF65-F5344CB8AC3E}">
-        <p14:creationId xmlns:p14="http://schemas.microsoft.com/office/powerpoint/2010/main" val="2475873921"/>
-      </p:ext>
-    </p:extLst>
-  </p:cSld>
-  <p:clrMapOvr>
-    <a:masterClrMapping/>
-  </p:clrMapOvr>
-</p:sld>
-</file>
-
 <file path=ppt/slides/slide2.xml><?xml version="1.0" encoding="utf-8"?>
 <p:sld xmlns:a="http://schemas.openxmlformats.org/drawingml/2006/main" xmlns:r="http://schemas.openxmlformats.org/officeDocument/2006/relationships" xmlns:p="http://schemas.openxmlformats.org/presentationml/2006/main">
   <p:cSld>
@@ -6537,8 +6455,8 @@
         </p:blipFill>
         <p:spPr>
           <a:xfrm>
-            <a:off x="6671239" y="261258"/>
-            <a:ext cx="5216566" cy="3912425"/>
+            <a:off x="6662057" y="206602"/>
+            <a:ext cx="5225748" cy="3919312"/>
           </a:xfrm>
           <a:prstGeom prst="rect">
             <a:avLst/>
@@ -6598,7 +6516,7 @@
         </p:nvSpPr>
         <p:spPr>
           <a:xfrm>
-            <a:off x="132612" y="-479627"/>
+            <a:off x="308759" y="-384958"/>
             <a:ext cx="9905998" cy="1905000"/>
           </a:xfrm>
         </p:spPr>
@@ -6608,40 +6526,11 @@
           <a:p>
             <a:r>
               <a:rPr lang="en-US" dirty="0"/>
-              <a:t>CRIMES VS AVERAGE INCOME</a:t>
-            </a:r>
-          </a:p>
-        </p:txBody>
-      </p:sp>
-      <p:pic>
-        <p:nvPicPr>
-          <p:cNvPr id="5" name="Content Placeholder 4">
-            <a:extLst>
-              <a:ext uri="{FF2B5EF4-FFF2-40B4-BE49-F238E27FC236}">
-                <a16:creationId xmlns:a16="http://schemas.microsoft.com/office/drawing/2014/main" id="{AEB873CF-5294-554B-BE72-2AC01988322C}"/>
-              </a:ext>
-            </a:extLst>
-          </p:cNvPr>
-          <p:cNvPicPr>
-            <a:picLocks noGrp="1" noChangeAspect="1"/>
-          </p:cNvPicPr>
-          <p:nvPr>
-            <p:ph idx="1"/>
-          </p:nvPr>
-        </p:nvPicPr>
-        <p:blipFill>
-          <a:blip r:embed="rId2"/>
-          <a:stretch>
-            <a:fillRect/>
-          </a:stretch>
-        </p:blipFill>
-        <p:spPr>
-          <a:xfrm>
-            <a:off x="4411679" y="926275"/>
-            <a:ext cx="7647709" cy="5735781"/>
-          </a:xfrm>
-        </p:spPr>
-      </p:pic>
+              <a:t>CRIMES VS INCOME and education</a:t>
+            </a:r>
+          </a:p>
+        </p:txBody>
+      </p:sp>
       <p:sp>
         <p:nvSpPr>
           <p:cNvPr id="8" name="TextBox 7">
@@ -6656,8 +6545,8 @@
         </p:nvSpPr>
         <p:spPr>
           <a:xfrm>
-            <a:off x="308759" y="1163782"/>
-            <a:ext cx="1765465" cy="1477328"/>
+            <a:off x="838425" y="1067229"/>
+            <a:ext cx="3152668" cy="1477328"/>
           </a:xfrm>
           <a:prstGeom prst="rect">
             <a:avLst/>
@@ -6670,6 +6559,7 @@
           </a:bodyPr>
           <a:lstStyle/>
           <a:p>
+            <a:pPr algn="ctr"/>
             <a:r>
               <a:rPr lang="en-US" u="sng" dirty="0"/>
               <a:t>POLICE API</a:t>
@@ -6681,11 +6571,14 @@
           <a:p>
             <a:r>
               <a:rPr lang="en-US" dirty="0"/>
-              <a:t>HOOD IDS</a:t>
-            </a:r>
-          </a:p>
-          <a:p>
-            <a:endParaRPr lang="en-US" dirty="0"/>
+              <a:t>ALL INCIDENTS</a:t>
+            </a:r>
+          </a:p>
+          <a:p>
+            <a:r>
+              <a:rPr lang="en-US" dirty="0"/>
+              <a:t>W/ NEIGHBORHOOD ID</a:t>
+            </a:r>
           </a:p>
           <a:p>
             <a:endParaRPr lang="en-US" dirty="0"/>
@@ -6706,8 +6599,8 @@
         </p:nvSpPr>
         <p:spPr>
           <a:xfrm>
-            <a:off x="2360219" y="1163782"/>
-            <a:ext cx="2051461" cy="1477328"/>
+            <a:off x="6579670" y="1144577"/>
+            <a:ext cx="5058148" cy="1200329"/>
           </a:xfrm>
           <a:prstGeom prst="rect">
             <a:avLst/>
@@ -6720,6 +6613,7 @@
           </a:bodyPr>
           <a:lstStyle/>
           <a:p>
+            <a:pPr algn="ctr"/>
             <a:r>
               <a:rPr lang="en-US" u="sng" dirty="0"/>
               <a:t>CENSUS API</a:t>
@@ -6731,11 +6625,8 @@
           <a:p>
             <a:r>
               <a:rPr lang="en-US" dirty="0"/>
-              <a:t>CENSUS TRACTS</a:t>
-            </a:r>
-          </a:p>
-          <a:p>
-            <a:endParaRPr lang="en-US" dirty="0"/>
+              <a:t>PULL DATA PER GEOCODE (CENSUS TRACT)</a:t>
+            </a:r>
           </a:p>
           <a:p>
             <a:endParaRPr lang="en-US" dirty="0"/>
@@ -6751,13 +6642,15 @@
               </a:ext>
             </a:extLst>
           </p:cNvPr>
-          <p:cNvCxnSpPr/>
+          <p:cNvCxnSpPr>
+            <a:cxnSpLocks/>
+          </p:cNvCxnSpPr>
           <p:nvPr/>
         </p:nvCxnSpPr>
         <p:spPr>
           <a:xfrm>
-            <a:off x="1733797" y="1876301"/>
-            <a:ext cx="504000" cy="0"/>
+            <a:off x="4180114" y="1888177"/>
+            <a:ext cx="1615044" cy="0"/>
           </a:xfrm>
           <a:prstGeom prst="straightConnector1">
             <a:avLst/>
@@ -6787,10 +6680,39 @@
       </p:cxnSp>
       <p:pic>
         <p:nvPicPr>
-          <p:cNvPr id="12" name="Picture 11">
+          <p:cNvPr id="17" name="Content Placeholder 16">
             <a:extLst>
               <a:ext uri="{FF2B5EF4-FFF2-40B4-BE49-F238E27FC236}">
-                <a16:creationId xmlns:a16="http://schemas.microsoft.com/office/drawing/2014/main" id="{89582960-ADCB-484F-8674-5AAA2747E7A6}"/>
+                <a16:creationId xmlns:a16="http://schemas.microsoft.com/office/drawing/2014/main" id="{895B39BF-FB55-AD47-BFCA-2C4CF35F4D2A}"/>
+              </a:ext>
+            </a:extLst>
+          </p:cNvPr>
+          <p:cNvPicPr>
+            <a:picLocks noGrp="1" noChangeAspect="1"/>
+          </p:cNvPicPr>
+          <p:nvPr>
+            <p:ph idx="1"/>
+          </p:nvPr>
+        </p:nvPicPr>
+        <p:blipFill>
+          <a:blip r:embed="rId2"/>
+          <a:stretch>
+            <a:fillRect/>
+          </a:stretch>
+        </p:blipFill>
+        <p:spPr>
+          <a:xfrm>
+            <a:off x="190005" y="2525858"/>
+            <a:ext cx="5058887" cy="4001069"/>
+          </a:xfrm>
+        </p:spPr>
+      </p:pic>
+      <p:pic>
+        <p:nvPicPr>
+          <p:cNvPr id="26" name="Picture 25">
+            <a:extLst>
+              <a:ext uri="{FF2B5EF4-FFF2-40B4-BE49-F238E27FC236}">
+                <a16:creationId xmlns:a16="http://schemas.microsoft.com/office/drawing/2014/main" id="{76EE3AC5-AC45-DA48-B003-037AD762CB15}"/>
               </a:ext>
             </a:extLst>
           </p:cNvPr>
@@ -6807,19 +6729,128 @@
         </p:blipFill>
         <p:spPr>
           <a:xfrm>
-            <a:off x="83231" y="2641110"/>
-            <a:ext cx="4553975" cy="3415481"/>
+            <a:off x="5635576" y="3242250"/>
+            <a:ext cx="5704122" cy="3284677"/>
           </a:xfrm>
           <a:prstGeom prst="rect">
             <a:avLst/>
           </a:prstGeom>
-          <a:ln>
-            <a:solidFill>
-              <a:schemeClr val="accent1"/>
-            </a:solidFill>
-          </a:ln>
         </p:spPr>
       </p:pic>
+      <p:sp>
+        <p:nvSpPr>
+          <p:cNvPr id="27" name="TextBox 26">
+            <a:extLst>
+              <a:ext uri="{FF2B5EF4-FFF2-40B4-BE49-F238E27FC236}">
+                <a16:creationId xmlns:a16="http://schemas.microsoft.com/office/drawing/2014/main" id="{8EE2B7A3-A2C4-D54A-A54E-5A80CFADD229}"/>
+              </a:ext>
+            </a:extLst>
+          </p:cNvPr>
+          <p:cNvSpPr txBox="1"/>
+          <p:nvPr/>
+        </p:nvSpPr>
+        <p:spPr>
+          <a:xfrm>
+            <a:off x="5501497" y="2417386"/>
+            <a:ext cx="6500497" cy="1477328"/>
+          </a:xfrm>
+          <a:prstGeom prst="rect">
+            <a:avLst/>
+          </a:prstGeom>
+          <a:noFill/>
+        </p:spPr>
+        <p:txBody>
+          <a:bodyPr wrap="none" rtlCol="0">
+            <a:spAutoFit/>
+          </a:bodyPr>
+          <a:lstStyle/>
+          <a:p>
+            <a:r>
+              <a:rPr lang="en-CA" dirty="0"/>
+              <a:t>https://www12.statcan.gc.ca/rest/census-</a:t>
+            </a:r>
+            <a:r>
+              <a:rPr lang="en-CA" dirty="0" err="1"/>
+              <a:t>recensement</a:t>
+            </a:r>
+            <a:r>
+              <a:rPr lang="en-CA" dirty="0"/>
+              <a:t>/</a:t>
+            </a:r>
+            <a:br>
+              <a:rPr lang="en-CA" dirty="0"/>
+            </a:br>
+            <a:r>
+              <a:rPr lang="en-CA" dirty="0"/>
+              <a:t>CPR2016.json?lang=</a:t>
+            </a:r>
+            <a:r>
+              <a:rPr lang="en-CA" dirty="0" err="1"/>
+              <a:t>E&amp;dguid</a:t>
+            </a:r>
+            <a:r>
+              <a:rPr lang="en-CA" dirty="0"/>
+              <a:t>={</a:t>
+            </a:r>
+            <a:r>
+              <a:rPr lang="en-CA" dirty="0" err="1">
+                <a:highlight>
+                  <a:srgbClr val="FF0000"/>
+                </a:highlight>
+              </a:rPr>
+              <a:t>dguid</a:t>
+            </a:r>
+            <a:r>
+              <a:rPr lang="en-CA" dirty="0"/>
+              <a:t>}&amp;topic=7</a:t>
+            </a:r>
+          </a:p>
+          <a:p>
+            <a:br>
+              <a:rPr lang="en-CA" dirty="0"/>
+            </a:br>
+            <a:endParaRPr lang="en-US" dirty="0"/>
+          </a:p>
+          <a:p>
+            <a:endParaRPr lang="en-US" dirty="0"/>
+          </a:p>
+        </p:txBody>
+      </p:sp>
+      <p:sp>
+        <p:nvSpPr>
+          <p:cNvPr id="28" name="TextBox 27">
+            <a:extLst>
+              <a:ext uri="{FF2B5EF4-FFF2-40B4-BE49-F238E27FC236}">
+                <a16:creationId xmlns:a16="http://schemas.microsoft.com/office/drawing/2014/main" id="{FDE4B447-06B4-144B-B769-7CF654126C78}"/>
+              </a:ext>
+            </a:extLst>
+          </p:cNvPr>
+          <p:cNvSpPr txBox="1"/>
+          <p:nvPr/>
+        </p:nvSpPr>
+        <p:spPr>
+          <a:xfrm>
+            <a:off x="4798753" y="1282673"/>
+            <a:ext cx="775924" cy="523220"/>
+          </a:xfrm>
+          <a:prstGeom prst="rect">
+            <a:avLst/>
+          </a:prstGeom>
+          <a:noFill/>
+        </p:spPr>
+        <p:txBody>
+          <a:bodyPr wrap="square" rtlCol="0">
+            <a:spAutoFit/>
+          </a:bodyPr>
+          <a:lstStyle/>
+          <a:p>
+            <a:r>
+              <a:rPr lang="en-US" sz="2800" dirty="0"/>
+              <a:t>?</a:t>
+            </a:r>
+          </a:p>
+        </p:txBody>
+      </p:sp>
     </p:spTree>
     <p:extLst>
       <p:ext uri="{BB962C8B-B14F-4D97-AF65-F5344CB8AC3E}">
@@ -6855,7 +6886,7 @@
           <p:cNvPr id="2" name="Title 1">
             <a:extLst>
               <a:ext uri="{FF2B5EF4-FFF2-40B4-BE49-F238E27FC236}">
-                <a16:creationId xmlns:a16="http://schemas.microsoft.com/office/drawing/2014/main" id="{BDA85502-1F31-974C-8A18-CF6CF1122FD8}"/>
+                <a16:creationId xmlns:a16="http://schemas.microsoft.com/office/drawing/2014/main" id="{6C71E86A-C84B-004C-804F-5DD3345F63D3}"/>
               </a:ext>
             </a:extLst>
           </p:cNvPr>
@@ -6866,124 +6897,94 @@
             <p:ph type="title"/>
           </p:nvPr>
         </p:nvSpPr>
-        <p:spPr/>
+        <p:spPr>
+          <a:xfrm>
+            <a:off x="133920" y="-486393"/>
+            <a:ext cx="9905998" cy="1905000"/>
+          </a:xfrm>
+        </p:spPr>
         <p:txBody>
           <a:bodyPr/>
           <a:lstStyle/>
           <a:p>
-            <a:endParaRPr lang="en-US"/>
-          </a:p>
-        </p:txBody>
-      </p:sp>
-      <p:sp>
-        <p:nvSpPr>
-          <p:cNvPr id="3" name="Content Placeholder 2">
+            <a:r>
+              <a:rPr lang="en-US" dirty="0"/>
+              <a:t>CRIMES VS INCOME AND EDUCATION</a:t>
+            </a:r>
+          </a:p>
+        </p:txBody>
+      </p:sp>
+      <p:pic>
+        <p:nvPicPr>
+          <p:cNvPr id="5" name="Content Placeholder 4">
             <a:extLst>
               <a:ext uri="{FF2B5EF4-FFF2-40B4-BE49-F238E27FC236}">
-                <a16:creationId xmlns:a16="http://schemas.microsoft.com/office/drawing/2014/main" id="{B2BC5CB9-B9E0-354F-B81D-F8790895EE9E}"/>
+                <a16:creationId xmlns:a16="http://schemas.microsoft.com/office/drawing/2014/main" id="{1BD42AC5-D0BA-2841-BAFF-7B5B75381875}"/>
               </a:ext>
             </a:extLst>
           </p:cNvPr>
-          <p:cNvSpPr>
-            <a:spLocks noGrp="1"/>
-          </p:cNvSpPr>
+          <p:cNvPicPr>
+            <a:picLocks noGrp="1" noChangeAspect="1"/>
+          </p:cNvPicPr>
           <p:nvPr>
             <p:ph idx="1"/>
           </p:nvPr>
-        </p:nvSpPr>
-        <p:spPr/>
-        <p:txBody>
-          <a:bodyPr/>
-          <a:lstStyle/>
-          <a:p>
-            <a:endParaRPr lang="en-US"/>
-          </a:p>
-        </p:txBody>
-      </p:sp>
+        </p:nvPicPr>
+        <p:blipFill>
+          <a:blip r:embed="rId2"/>
+          <a:stretch>
+            <a:fillRect/>
+          </a:stretch>
+        </p:blipFill>
+        <p:spPr>
+          <a:xfrm>
+            <a:off x="7241606" y="2668477"/>
+            <a:ext cx="4751470" cy="3563602"/>
+          </a:xfrm>
+          <a:prstGeom prst="rect">
+            <a:avLst/>
+          </a:prstGeom>
+          <a:ln>
+            <a:solidFill>
+              <a:schemeClr val="accent1"/>
+            </a:solidFill>
+          </a:ln>
+        </p:spPr>
+      </p:pic>
+      <p:pic>
+        <p:nvPicPr>
+          <p:cNvPr id="15" name="Picture 14">
+            <a:extLst>
+              <a:ext uri="{FF2B5EF4-FFF2-40B4-BE49-F238E27FC236}">
+                <a16:creationId xmlns:a16="http://schemas.microsoft.com/office/drawing/2014/main" id="{8DA8CF99-5D79-324E-BCD0-08ED0509126D}"/>
+              </a:ext>
+            </a:extLst>
+          </p:cNvPr>
+          <p:cNvPicPr>
+            <a:picLocks noChangeAspect="1"/>
+          </p:cNvPicPr>
+          <p:nvPr/>
+        </p:nvPicPr>
+        <p:blipFill>
+          <a:blip r:embed="rId3"/>
+          <a:stretch>
+            <a:fillRect/>
+          </a:stretch>
+        </p:blipFill>
+        <p:spPr>
+          <a:xfrm>
+            <a:off x="292924" y="1105155"/>
+            <a:ext cx="6835899" cy="5126924"/>
+          </a:xfrm>
+          <a:prstGeom prst="rect">
+            <a:avLst/>
+          </a:prstGeom>
+        </p:spPr>
+      </p:pic>
     </p:spTree>
     <p:extLst>
       <p:ext uri="{BB962C8B-B14F-4D97-AF65-F5344CB8AC3E}">
-        <p14:creationId xmlns:p14="http://schemas.microsoft.com/office/powerpoint/2010/main" val="498884047"/>
-      </p:ext>
-    </p:extLst>
-  </p:cSld>
-  <p:clrMapOvr>
-    <a:masterClrMapping/>
-  </p:clrMapOvr>
-</p:sld>
-</file>
-
-<file path=ppt/slides/slide9.xml><?xml version="1.0" encoding="utf-8"?>
-<p:sld xmlns:a="http://schemas.openxmlformats.org/drawingml/2006/main" xmlns:r="http://schemas.openxmlformats.org/officeDocument/2006/relationships" xmlns:p="http://schemas.openxmlformats.org/presentationml/2006/main">
-  <p:cSld>
-    <p:spTree>
-      <p:nvGrpSpPr>
-        <p:cNvPr id="1" name=""/>
-        <p:cNvGrpSpPr/>
-        <p:nvPr/>
-      </p:nvGrpSpPr>
-      <p:grpSpPr>
-        <a:xfrm>
-          <a:off x="0" y="0"/>
-          <a:ext cx="0" cy="0"/>
-          <a:chOff x="0" y="0"/>
-          <a:chExt cx="0" cy="0"/>
-        </a:xfrm>
-      </p:grpSpPr>
-      <p:sp>
-        <p:nvSpPr>
-          <p:cNvPr id="2" name="Title 1">
-            <a:extLst>
-              <a:ext uri="{FF2B5EF4-FFF2-40B4-BE49-F238E27FC236}">
-                <a16:creationId xmlns:a16="http://schemas.microsoft.com/office/drawing/2014/main" id="{CC4D771C-3F25-1B41-A57D-3A610121DF6A}"/>
-              </a:ext>
-            </a:extLst>
-          </p:cNvPr>
-          <p:cNvSpPr>
-            <a:spLocks noGrp="1"/>
-          </p:cNvSpPr>
-          <p:nvPr>
-            <p:ph type="title"/>
-          </p:nvPr>
-        </p:nvSpPr>
-        <p:spPr/>
-        <p:txBody>
-          <a:bodyPr/>
-          <a:lstStyle/>
-          <a:p>
-            <a:endParaRPr lang="en-US"/>
-          </a:p>
-        </p:txBody>
-      </p:sp>
-      <p:sp>
-        <p:nvSpPr>
-          <p:cNvPr id="3" name="Content Placeholder 2">
-            <a:extLst>
-              <a:ext uri="{FF2B5EF4-FFF2-40B4-BE49-F238E27FC236}">
-                <a16:creationId xmlns:a16="http://schemas.microsoft.com/office/drawing/2014/main" id="{8DE204E9-6E43-8340-B550-653972C7F561}"/>
-              </a:ext>
-            </a:extLst>
-          </p:cNvPr>
-          <p:cNvSpPr>
-            <a:spLocks noGrp="1"/>
-          </p:cNvSpPr>
-          <p:nvPr>
-            <p:ph idx="1"/>
-          </p:nvPr>
-        </p:nvSpPr>
-        <p:spPr/>
-        <p:txBody>
-          <a:bodyPr/>
-          <a:lstStyle/>
-          <a:p>
-            <a:endParaRPr lang="en-US"/>
-          </a:p>
-        </p:txBody>
-      </p:sp>
-    </p:spTree>
-    <p:extLst>
-      <p:ext uri="{BB962C8B-B14F-4D97-AF65-F5344CB8AC3E}">
-        <p14:creationId xmlns:p14="http://schemas.microsoft.com/office/powerpoint/2010/main" val="1871121067"/>
+        <p14:creationId xmlns:p14="http://schemas.microsoft.com/office/powerpoint/2010/main" val="2475873921"/>
       </p:ext>
     </p:extLst>
   </p:cSld>

--- a/final/crimes-presentation.pptx
+++ b/final/crimes-presentation.pptx
@@ -13,6 +13,9 @@
     <p:sldId id="258" r:id="rId7"/>
     <p:sldId id="259" r:id="rId8"/>
     <p:sldId id="262" r:id="rId9"/>
+    <p:sldId id="266" r:id="rId10"/>
+    <p:sldId id="267" r:id="rId11"/>
+    <p:sldId id="268" r:id="rId12"/>
   </p:sldIdLst>
   <p:sldSz cx="12192000" cy="6858000"/>
   <p:notesSz cx="6858000" cy="9144000"/>
@@ -5782,6 +5785,180 @@
 </p:sld>
 </file>
 
+<file path=ppt/slides/slide10.xml><?xml version="1.0" encoding="utf-8"?>
+<p:sld xmlns:a="http://schemas.openxmlformats.org/drawingml/2006/main" xmlns:r="http://schemas.openxmlformats.org/officeDocument/2006/relationships" xmlns:p="http://schemas.openxmlformats.org/presentationml/2006/main">
+  <p:cSld>
+    <p:spTree>
+      <p:nvGrpSpPr>
+        <p:cNvPr id="1" name=""/>
+        <p:cNvGrpSpPr/>
+        <p:nvPr/>
+      </p:nvGrpSpPr>
+      <p:grpSpPr>
+        <a:xfrm>
+          <a:off x="0" y="0"/>
+          <a:ext cx="0" cy="0"/>
+          <a:chOff x="0" y="0"/>
+          <a:chExt cx="0" cy="0"/>
+        </a:xfrm>
+      </p:grpSpPr>
+      <p:sp>
+        <p:nvSpPr>
+          <p:cNvPr id="2" name="Title 1">
+            <a:extLst>
+              <a:ext uri="{FF2B5EF4-FFF2-40B4-BE49-F238E27FC236}">
+                <a16:creationId xmlns:a16="http://schemas.microsoft.com/office/drawing/2014/main" id="{E524AA6C-3C25-1D48-A2BE-BBD8F49C1C03}"/>
+              </a:ext>
+            </a:extLst>
+          </p:cNvPr>
+          <p:cNvSpPr>
+            <a:spLocks noGrp="1"/>
+          </p:cNvSpPr>
+          <p:nvPr>
+            <p:ph type="title"/>
+          </p:nvPr>
+        </p:nvSpPr>
+        <p:spPr/>
+        <p:txBody>
+          <a:bodyPr/>
+          <a:lstStyle/>
+          <a:p>
+            <a:endParaRPr lang="en-US"/>
+          </a:p>
+        </p:txBody>
+      </p:sp>
+      <p:sp>
+        <p:nvSpPr>
+          <p:cNvPr id="3" name="Content Placeholder 2">
+            <a:extLst>
+              <a:ext uri="{FF2B5EF4-FFF2-40B4-BE49-F238E27FC236}">
+                <a16:creationId xmlns:a16="http://schemas.microsoft.com/office/drawing/2014/main" id="{BC35149B-9C22-3045-8176-65AE6366BFE5}"/>
+              </a:ext>
+            </a:extLst>
+          </p:cNvPr>
+          <p:cNvSpPr>
+            <a:spLocks noGrp="1"/>
+          </p:cNvSpPr>
+          <p:nvPr>
+            <p:ph idx="1"/>
+          </p:nvPr>
+        </p:nvSpPr>
+        <p:spPr/>
+        <p:txBody>
+          <a:bodyPr/>
+          <a:lstStyle/>
+          <a:p>
+            <a:endParaRPr lang="en-US"/>
+          </a:p>
+        </p:txBody>
+      </p:sp>
+    </p:spTree>
+    <p:extLst>
+      <p:ext uri="{BB962C8B-B14F-4D97-AF65-F5344CB8AC3E}">
+        <p14:creationId xmlns:p14="http://schemas.microsoft.com/office/powerpoint/2010/main" val="2727473909"/>
+      </p:ext>
+    </p:extLst>
+  </p:cSld>
+  <p:clrMapOvr>
+    <a:masterClrMapping/>
+  </p:clrMapOvr>
+</p:sld>
+</file>
+
+<file path=ppt/slides/slide11.xml><?xml version="1.0" encoding="utf-8"?>
+<p:sld xmlns:a="http://schemas.openxmlformats.org/drawingml/2006/main" xmlns:r="http://schemas.openxmlformats.org/officeDocument/2006/relationships" xmlns:p="http://schemas.openxmlformats.org/presentationml/2006/main">
+  <p:cSld>
+    <p:spTree>
+      <p:nvGrpSpPr>
+        <p:cNvPr id="1" name=""/>
+        <p:cNvGrpSpPr/>
+        <p:nvPr/>
+      </p:nvGrpSpPr>
+      <p:grpSpPr>
+        <a:xfrm>
+          <a:off x="0" y="0"/>
+          <a:ext cx="0" cy="0"/>
+          <a:chOff x="0" y="0"/>
+          <a:chExt cx="0" cy="0"/>
+        </a:xfrm>
+      </p:grpSpPr>
+      <p:sp>
+        <p:nvSpPr>
+          <p:cNvPr id="2" name="Title 1">
+            <a:extLst>
+              <a:ext uri="{FF2B5EF4-FFF2-40B4-BE49-F238E27FC236}">
+                <a16:creationId xmlns:a16="http://schemas.microsoft.com/office/drawing/2014/main" id="{452EE254-5EA3-4849-97F7-D3E9DC511A9B}"/>
+              </a:ext>
+            </a:extLst>
+          </p:cNvPr>
+          <p:cNvSpPr>
+            <a:spLocks noGrp="1"/>
+          </p:cNvSpPr>
+          <p:nvPr>
+            <p:ph type="title"/>
+          </p:nvPr>
+        </p:nvSpPr>
+        <p:spPr/>
+        <p:txBody>
+          <a:bodyPr/>
+          <a:lstStyle/>
+          <a:p>
+            <a:r>
+              <a:rPr lang="en-US" dirty="0"/>
+              <a:t>LIMITATIONS</a:t>
+            </a:r>
+          </a:p>
+        </p:txBody>
+      </p:sp>
+      <p:sp>
+        <p:nvSpPr>
+          <p:cNvPr id="3" name="Content Placeholder 2">
+            <a:extLst>
+              <a:ext uri="{FF2B5EF4-FFF2-40B4-BE49-F238E27FC236}">
+                <a16:creationId xmlns:a16="http://schemas.microsoft.com/office/drawing/2014/main" id="{E97667D4-58CE-2C44-BDDE-427DE27A827B}"/>
+              </a:ext>
+            </a:extLst>
+          </p:cNvPr>
+          <p:cNvSpPr>
+            <a:spLocks noGrp="1"/>
+          </p:cNvSpPr>
+          <p:nvPr>
+            <p:ph idx="1"/>
+          </p:nvPr>
+        </p:nvSpPr>
+        <p:spPr>
+          <a:xfrm>
+            <a:off x="1141413" y="1978231"/>
+            <a:ext cx="9905998" cy="3124201"/>
+          </a:xfrm>
+        </p:spPr>
+        <p:txBody>
+          <a:bodyPr/>
+          <a:lstStyle/>
+          <a:p>
+            <a:r>
+              <a:rPr lang="en-US" dirty="0"/>
+              <a:t>STATS CANADA DATA IS FOR 2015 ONLY, POLICE DATA IS 2014-2017</a:t>
+            </a:r>
+          </a:p>
+          <a:p>
+            <a:endParaRPr lang="en-US" dirty="0"/>
+          </a:p>
+        </p:txBody>
+      </p:sp>
+    </p:spTree>
+    <p:extLst>
+      <p:ext uri="{BB962C8B-B14F-4D97-AF65-F5344CB8AC3E}">
+        <p14:creationId xmlns:p14="http://schemas.microsoft.com/office/powerpoint/2010/main" val="2309402947"/>
+      </p:ext>
+    </p:extLst>
+  </p:cSld>
+  <p:clrMapOvr>
+    <a:masterClrMapping/>
+  </p:clrMapOvr>
+</p:sld>
+</file>
+
 <file path=ppt/slides/slide2.xml><?xml version="1.0" encoding="utf-8"?>
 <p:sld xmlns:a="http://schemas.openxmlformats.org/drawingml/2006/main" xmlns:r="http://schemas.openxmlformats.org/officeDocument/2006/relationships" xmlns:p="http://schemas.openxmlformats.org/presentationml/2006/main">
   <p:cSld>
@@ -5817,17 +5994,19 @@
         </p:nvSpPr>
         <p:spPr>
           <a:xfrm>
-            <a:off x="1141413" y="374072"/>
-            <a:ext cx="9905998" cy="1534885"/>
+            <a:off x="1008114" y="350321"/>
+            <a:ext cx="10175771" cy="2084120"/>
           </a:xfrm>
         </p:spPr>
         <p:txBody>
-          <a:bodyPr/>
+          <a:bodyPr>
+            <a:normAutofit/>
+          </a:bodyPr>
           <a:lstStyle/>
           <a:p>
             <a:r>
               <a:rPr lang="en-US" dirty="0"/>
-              <a:t>ANALYSIS QUESTIONS</a:t>
+              <a:t>It feels like crimes and accidents are on the rise in Toronto, But what does the data say?</a:t>
             </a:r>
           </a:p>
         </p:txBody>
@@ -5850,18 +6029,18 @@
         </p:nvSpPr>
         <p:spPr>
           <a:xfrm>
-            <a:off x="1141413" y="1439883"/>
-            <a:ext cx="9905998" cy="3978233"/>
+            <a:off x="1367044" y="1140031"/>
+            <a:ext cx="9905998" cy="5085607"/>
           </a:xfrm>
         </p:spPr>
         <p:txBody>
           <a:bodyPr>
-            <a:normAutofit fontScale="92500" lnSpcReduction="10000"/>
+            <a:normAutofit/>
           </a:bodyPr>
           <a:lstStyle/>
           <a:p>
-            <a:pPr marL="457200" lvl="0" indent="-457200">
-              <a:buAutoNum type="arabicPeriod"/>
+            <a:pPr marL="0" lvl="0" indent="0">
+              <a:buNone/>
             </a:pPr>
             <a:endParaRPr lang="en-US" dirty="0">
               <a:effectLst/>
@@ -6028,7 +6207,7 @@
         </p:nvSpPr>
         <p:spPr>
           <a:xfrm>
-            <a:off x="1141413" y="158338"/>
+            <a:off x="749528" y="-221672"/>
             <a:ext cx="9905998" cy="1905000"/>
           </a:xfrm>
         </p:spPr>
@@ -6061,13 +6240,13 @@
         </p:nvSpPr>
         <p:spPr>
           <a:xfrm>
-            <a:off x="1141413" y="2063338"/>
-            <a:ext cx="9905998" cy="4268190"/>
+            <a:off x="749528" y="1683328"/>
+            <a:ext cx="9905998" cy="4645232"/>
           </a:xfrm>
         </p:spPr>
         <p:txBody>
           <a:bodyPr>
-            <a:normAutofit lnSpcReduction="10000"/>
+            <a:normAutofit fontScale="92500" lnSpcReduction="20000"/>
           </a:bodyPr>
           <a:lstStyle/>
           <a:p>
@@ -6075,7 +6254,7 @@
               <a:buNone/>
             </a:pPr>
             <a:r>
-              <a:rPr lang="en-US" dirty="0"/>
+              <a:rPr lang="en-US" sz="2400" dirty="0"/>
               <a:t>TORONTO POLICE APIS</a:t>
             </a:r>
           </a:p>
@@ -6094,6 +6273,15 @@
             </a:pPr>
             <a:r>
               <a:rPr lang="en-US" dirty="0"/>
+              <a:t>		ARGUMENTS FOR MONTH AND YEAR TO GET AROUND 2000-RECORD LIMIT</a:t>
+            </a:r>
+          </a:p>
+          <a:p>
+            <a:pPr marL="0" indent="0">
+              <a:buNone/>
+            </a:pPr>
+            <a:r>
+              <a:rPr lang="en-US" dirty="0"/>
               <a:t>	KSI - TRAFFIC INCIDENTS</a:t>
             </a:r>
           </a:p>
@@ -6108,8 +6296,17 @@
               <a:buNone/>
             </a:pPr>
             <a:r>
+              <a:rPr lang="en-US" sz="2400" dirty="0"/>
+              <a:t>STATS CANADA CENSUS API</a:t>
+            </a:r>
+          </a:p>
+          <a:p>
+            <a:pPr marL="0" indent="0">
+              <a:buNone/>
+            </a:pPr>
+            <a:r>
               <a:rPr lang="en-US" dirty="0"/>
-              <a:t>STATS CANADA CENSUS API</a:t>
+              <a:t>	ARGUMENTS FOR GEOCODE AND TOPIC</a:t>
             </a:r>
           </a:p>
           <a:p>
@@ -6123,7 +6320,7 @@
               <a:buNone/>
             </a:pPr>
             <a:r>
-              <a:rPr lang="en-US" dirty="0"/>
+              <a:rPr lang="en-US" sz="2400" dirty="0"/>
               <a:t>MAPBOX API</a:t>
             </a:r>
           </a:p>
@@ -6138,7 +6335,7 @@
               <a:buNone/>
             </a:pPr>
             <a:r>
-              <a:rPr lang="en-US" dirty="0"/>
+              <a:rPr lang="en-US" sz="2400" dirty="0"/>
               <a:t>ADDITIONAL DATASETS</a:t>
             </a:r>
           </a:p>
@@ -6985,6 +7182,86 @@
     <p:extLst>
       <p:ext uri="{BB962C8B-B14F-4D97-AF65-F5344CB8AC3E}">
         <p14:creationId xmlns:p14="http://schemas.microsoft.com/office/powerpoint/2010/main" val="2475873921"/>
+      </p:ext>
+    </p:extLst>
+  </p:cSld>
+  <p:clrMapOvr>
+    <a:masterClrMapping/>
+  </p:clrMapOvr>
+</p:sld>
+</file>
+
+<file path=ppt/slides/slide9.xml><?xml version="1.0" encoding="utf-8"?>
+<p:sld xmlns:a="http://schemas.openxmlformats.org/drawingml/2006/main" xmlns:r="http://schemas.openxmlformats.org/officeDocument/2006/relationships" xmlns:p="http://schemas.openxmlformats.org/presentationml/2006/main">
+  <p:cSld>
+    <p:spTree>
+      <p:nvGrpSpPr>
+        <p:cNvPr id="1" name=""/>
+        <p:cNvGrpSpPr/>
+        <p:nvPr/>
+      </p:nvGrpSpPr>
+      <p:grpSpPr>
+        <a:xfrm>
+          <a:off x="0" y="0"/>
+          <a:ext cx="0" cy="0"/>
+          <a:chOff x="0" y="0"/>
+          <a:chExt cx="0" cy="0"/>
+        </a:xfrm>
+      </p:grpSpPr>
+      <p:sp>
+        <p:nvSpPr>
+          <p:cNvPr id="2" name="Title 1">
+            <a:extLst>
+              <a:ext uri="{FF2B5EF4-FFF2-40B4-BE49-F238E27FC236}">
+                <a16:creationId xmlns:a16="http://schemas.microsoft.com/office/drawing/2014/main" id="{2174B4D0-A04D-EE48-9536-80293B303374}"/>
+              </a:ext>
+            </a:extLst>
+          </p:cNvPr>
+          <p:cNvSpPr>
+            <a:spLocks noGrp="1"/>
+          </p:cNvSpPr>
+          <p:nvPr>
+            <p:ph type="title"/>
+          </p:nvPr>
+        </p:nvSpPr>
+        <p:spPr/>
+        <p:txBody>
+          <a:bodyPr/>
+          <a:lstStyle/>
+          <a:p>
+            <a:endParaRPr lang="en-US"/>
+          </a:p>
+        </p:txBody>
+      </p:sp>
+      <p:sp>
+        <p:nvSpPr>
+          <p:cNvPr id="3" name="Content Placeholder 2">
+            <a:extLst>
+              <a:ext uri="{FF2B5EF4-FFF2-40B4-BE49-F238E27FC236}">
+                <a16:creationId xmlns:a16="http://schemas.microsoft.com/office/drawing/2014/main" id="{DAE96386-AA06-2243-88CC-5D7D7EBFCD46}"/>
+              </a:ext>
+            </a:extLst>
+          </p:cNvPr>
+          <p:cNvSpPr>
+            <a:spLocks noGrp="1"/>
+          </p:cNvSpPr>
+          <p:nvPr>
+            <p:ph idx="1"/>
+          </p:nvPr>
+        </p:nvSpPr>
+        <p:spPr/>
+        <p:txBody>
+          <a:bodyPr/>
+          <a:lstStyle/>
+          <a:p>
+            <a:endParaRPr lang="en-US"/>
+          </a:p>
+        </p:txBody>
+      </p:sp>
+    </p:spTree>
+    <p:extLst>
+      <p:ext uri="{BB962C8B-B14F-4D97-AF65-F5344CB8AC3E}">
+        <p14:creationId xmlns:p14="http://schemas.microsoft.com/office/powerpoint/2010/main" val="1104649783"/>
       </p:ext>
     </p:extLst>
   </p:cSld>

--- a/final/crimes-presentation.pptx
+++ b/final/crimes-presentation.pptx
@@ -114,6 +114,11 @@
       </a:defRPr>
     </a:lvl9pPr>
   </p:defaultTextStyle>
+  <p:extLst>
+    <p:ext uri="{EFAFB233-063F-42B5-8137-9DF3F51BA10A}">
+      <p15:sldGuideLst xmlns:p15="http://schemas.microsoft.com/office/powerpoint/2012/main"/>
+    </p:ext>
+  </p:extLst>
 </p:presentation>
 </file>
 
@@ -331,7 +336,7 @@
             <a:fld id="{B61BEF0D-F0BB-DE4B-95CE-6DB70DBA9567}" type="datetimeFigureOut">
               <a:rPr lang="en-US" dirty="0"/>
               <a:pPr/>
-              <a:t>11/27/18</a:t>
+              <a:t>11/28/2018</a:t>
             </a:fld>
             <a:endParaRPr lang="en-US" dirty="0"/>
           </a:p>
@@ -619,7 +624,7 @@
             <a:fld id="{B61BEF0D-F0BB-DE4B-95CE-6DB70DBA9567}" type="datetimeFigureOut">
               <a:rPr lang="en-US" dirty="0"/>
               <a:pPr/>
-              <a:t>11/27/18</a:t>
+              <a:t>11/28/2018</a:t>
             </a:fld>
             <a:endParaRPr lang="en-US" dirty="0"/>
           </a:p>
@@ -875,7 +880,7 @@
             <a:fld id="{B61BEF0D-F0BB-DE4B-95CE-6DB70DBA9567}" type="datetimeFigureOut">
               <a:rPr lang="en-US" dirty="0"/>
               <a:pPr/>
-              <a:t>11/27/18</a:t>
+              <a:t>11/28/2018</a:t>
             </a:fld>
             <a:endParaRPr lang="en-US" dirty="0"/>
           </a:p>
@@ -1341,7 +1346,7 @@
             <a:fld id="{B61BEF0D-F0BB-DE4B-95CE-6DB70DBA9567}" type="datetimeFigureOut">
               <a:rPr lang="en-US" dirty="0"/>
               <a:pPr/>
-              <a:t>11/27/18</a:t>
+              <a:t>11/28/2018</a:t>
             </a:fld>
             <a:endParaRPr lang="en-US" dirty="0"/>
           </a:p>
@@ -1518,7 +1523,7 @@
             <a:fld id="{B61BEF0D-F0BB-DE4B-95CE-6DB70DBA9567}" type="datetimeFigureOut">
               <a:rPr lang="en-US" dirty="0"/>
               <a:pPr/>
-              <a:t>11/27/18</a:t>
+              <a:t>11/28/2018</a:t>
             </a:fld>
             <a:endParaRPr lang="en-US" dirty="0"/>
           </a:p>
@@ -2091,7 +2096,7 @@
             <a:fld id="{B61BEF0D-F0BB-DE4B-95CE-6DB70DBA9567}" type="datetimeFigureOut">
               <a:rPr lang="en-US" dirty="0"/>
               <a:pPr/>
-              <a:t>11/27/18</a:t>
+              <a:t>11/28/2018</a:t>
             </a:fld>
             <a:endParaRPr lang="en-US" dirty="0"/>
           </a:p>
@@ -2420,7 +2425,7 @@
             <a:fld id="{B61BEF0D-F0BB-DE4B-95CE-6DB70DBA9567}" type="datetimeFigureOut">
               <a:rPr lang="en-US" dirty="0"/>
               <a:pPr/>
-              <a:t>11/27/18</a:t>
+              <a:t>11/28/2018</a:t>
             </a:fld>
             <a:endParaRPr lang="en-US" dirty="0"/>
           </a:p>
@@ -2592,7 +2597,7 @@
             <a:fld id="{B61BEF0D-F0BB-DE4B-95CE-6DB70DBA9567}" type="datetimeFigureOut">
               <a:rPr lang="en-US" dirty="0"/>
               <a:pPr/>
-              <a:t>11/27/18</a:t>
+              <a:t>11/28/2018</a:t>
             </a:fld>
             <a:endParaRPr lang="en-US" dirty="0"/>
           </a:p>
@@ -2769,7 +2774,7 @@
             <a:fld id="{B61BEF0D-F0BB-DE4B-95CE-6DB70DBA9567}" type="datetimeFigureOut">
               <a:rPr lang="en-US" dirty="0"/>
               <a:pPr/>
-              <a:t>11/27/18</a:t>
+              <a:t>11/28/2018</a:t>
             </a:fld>
             <a:endParaRPr lang="en-US" dirty="0"/>
           </a:p>
@@ -2936,7 +2941,7 @@
             <a:fld id="{B61BEF0D-F0BB-DE4B-95CE-6DB70DBA9567}" type="datetimeFigureOut">
               <a:rPr lang="en-US" dirty="0"/>
               <a:pPr/>
-              <a:t>11/27/18</a:t>
+              <a:t>11/28/2018</a:t>
             </a:fld>
             <a:endParaRPr lang="en-US" dirty="0"/>
           </a:p>
@@ -3190,7 +3195,7 @@
             <a:fld id="{B61BEF0D-F0BB-DE4B-95CE-6DB70DBA9567}" type="datetimeFigureOut">
               <a:rPr lang="en-US" dirty="0"/>
               <a:pPr/>
-              <a:t>11/27/18</a:t>
+              <a:t>11/28/2018</a:t>
             </a:fld>
             <a:endParaRPr lang="en-US" dirty="0"/>
           </a:p>
@@ -3479,7 +3484,7 @@
             <a:fld id="{B61BEF0D-F0BB-DE4B-95CE-6DB70DBA9567}" type="datetimeFigureOut">
               <a:rPr lang="en-US" dirty="0"/>
               <a:pPr/>
-              <a:t>11/27/18</a:t>
+              <a:t>11/28/2018</a:t>
             </a:fld>
             <a:endParaRPr lang="en-US" dirty="0"/>
           </a:p>
@@ -3906,7 +3911,7 @@
             <a:fld id="{B61BEF0D-F0BB-DE4B-95CE-6DB70DBA9567}" type="datetimeFigureOut">
               <a:rPr lang="en-US" dirty="0"/>
               <a:pPr/>
-              <a:t>11/27/18</a:t>
+              <a:t>11/28/2018</a:t>
             </a:fld>
             <a:endParaRPr lang="en-US" dirty="0"/>
           </a:p>
@@ -4021,7 +4026,7 @@
             <a:fld id="{B61BEF0D-F0BB-DE4B-95CE-6DB70DBA9567}" type="datetimeFigureOut">
               <a:rPr lang="en-US" dirty="0"/>
               <a:pPr/>
-              <a:t>11/27/18</a:t>
+              <a:t>11/28/2018</a:t>
             </a:fld>
             <a:endParaRPr lang="en-US" dirty="0"/>
           </a:p>
@@ -4113,7 +4118,7 @@
             <a:fld id="{B61BEF0D-F0BB-DE4B-95CE-6DB70DBA9567}" type="datetimeFigureOut">
               <a:rPr lang="en-US" dirty="0"/>
               <a:pPr/>
-              <a:t>11/27/18</a:t>
+              <a:t>11/28/2018</a:t>
             </a:fld>
             <a:endParaRPr lang="en-US" dirty="0"/>
           </a:p>
@@ -4393,7 +4398,7 @@
             <a:fld id="{B61BEF0D-F0BB-DE4B-95CE-6DB70DBA9567}" type="datetimeFigureOut">
               <a:rPr lang="en-US" dirty="0"/>
               <a:pPr/>
-              <a:t>11/27/18</a:t>
+              <a:t>11/28/2018</a:t>
             </a:fld>
             <a:endParaRPr lang="en-US" dirty="0"/>
           </a:p>
@@ -4681,7 +4686,7 @@
             <a:fld id="{B61BEF0D-F0BB-DE4B-95CE-6DB70DBA9567}" type="datetimeFigureOut">
               <a:rPr lang="en-US" dirty="0"/>
               <a:pPr/>
-              <a:t>11/27/18</a:t>
+              <a:t>11/28/2018</a:t>
             </a:fld>
             <a:endParaRPr lang="en-US" dirty="0"/>
           </a:p>
@@ -4909,7 +4914,7 @@
             <a:fld id="{B61BEF0D-F0BB-DE4B-95CE-6DB70DBA9567}" type="datetimeFigureOut">
               <a:rPr lang="en-US" dirty="0"/>
               <a:pPr/>
-              <a:t>11/27/18</a:t>
+              <a:t>11/28/2018</a:t>
             </a:fld>
             <a:endParaRPr lang="en-US" dirty="0"/>
           </a:p>
@@ -5827,31 +5832,38 @@
           </a:p>
         </p:txBody>
       </p:sp>
-      <p:sp>
-        <p:nvSpPr>
-          <p:cNvPr id="3" name="Content Placeholder 2">
+      <p:pic>
+        <p:nvPicPr>
+          <p:cNvPr id="4" name="Content Placeholder 3">
             <a:extLst>
               <a:ext uri="{FF2B5EF4-FFF2-40B4-BE49-F238E27FC236}">
-                <a16:creationId xmlns:a16="http://schemas.microsoft.com/office/drawing/2014/main" id="{BC35149B-9C22-3045-8176-65AE6366BFE5}"/>
+                <a16:creationId xmlns:a16="http://schemas.microsoft.com/office/drawing/2014/main" id="{C3B0941B-75E4-4326-A54B-F1518BF3FA05}"/>
               </a:ext>
             </a:extLst>
           </p:cNvPr>
-          <p:cNvSpPr>
-            <a:spLocks noGrp="1"/>
-          </p:cNvSpPr>
+          <p:cNvPicPr>
+            <a:picLocks noGrp="1" noChangeAspect="1"/>
+          </p:cNvPicPr>
           <p:nvPr>
             <p:ph idx="1"/>
           </p:nvPr>
-        </p:nvSpPr>
-        <p:spPr/>
-        <p:txBody>
-          <a:bodyPr/>
-          <a:lstStyle/>
-          <a:p>
-            <a:endParaRPr lang="en-US"/>
-          </a:p>
-        </p:txBody>
-      </p:sp>
+        </p:nvPicPr>
+        <p:blipFill>
+          <a:blip r:embed="rId2"/>
+          <a:stretch>
+            <a:fillRect/>
+          </a:stretch>
+        </p:blipFill>
+        <p:spPr>
+          <a:xfrm>
+            <a:off x="1141413" y="2514600"/>
+            <a:ext cx="4500064" cy="3124200"/>
+          </a:xfrm>
+          <a:prstGeom prst="rect">
+            <a:avLst/>
+          </a:prstGeom>
+        </p:spPr>
+      </p:pic>
     </p:spTree>
     <p:extLst>
       <p:ext uri="{BB962C8B-B14F-4D97-AF65-F5344CB8AC3E}">
@@ -6134,7 +6146,7 @@
               <a:rPr lang="en-US" dirty="0">
                 <a:effectLst/>
               </a:rPr>
-              <a:t>Which areas are most prone to traffic accidents?</a:t>
+              <a:t>Which location types are most prone to traffic accidents?</a:t>
             </a:r>
           </a:p>
           <a:p>
@@ -6145,7 +6157,7 @@
               <a:rPr lang="en-CA" dirty="0">
                 <a:effectLst/>
               </a:rPr>
-              <a:t>How did the number of traffic accidents change over time?</a:t>
+              <a:t>How did the number of traffic accidents and their class change over time?</a:t>
             </a:r>
           </a:p>
           <a:p>
@@ -7229,35 +7241,75 @@
           <a:bodyPr/>
           <a:lstStyle/>
           <a:p>
-            <a:endParaRPr lang="en-US"/>
-          </a:p>
-        </p:txBody>
-      </p:sp>
-      <p:sp>
-        <p:nvSpPr>
-          <p:cNvPr id="3" name="Content Placeholder 2">
+            <a:r>
+              <a:rPr lang="en-US" dirty="0"/>
+              <a:t>KSI(Killed and Seriously injured)</a:t>
+            </a:r>
+          </a:p>
+        </p:txBody>
+      </p:sp>
+      <p:pic>
+        <p:nvPicPr>
+          <p:cNvPr id="4" name="Content Placeholder 3">
             <a:extLst>
               <a:ext uri="{FF2B5EF4-FFF2-40B4-BE49-F238E27FC236}">
-                <a16:creationId xmlns:a16="http://schemas.microsoft.com/office/drawing/2014/main" id="{DAE96386-AA06-2243-88CC-5D7D7EBFCD46}"/>
+                <a16:creationId xmlns:a16="http://schemas.microsoft.com/office/drawing/2014/main" id="{D41C8E1F-B681-4F7C-8D56-CAE39E567D50}"/>
               </a:ext>
             </a:extLst>
           </p:cNvPr>
-          <p:cNvSpPr>
-            <a:spLocks noGrp="1"/>
-          </p:cNvSpPr>
+          <p:cNvPicPr>
+            <a:picLocks noGrp="1" noChangeAspect="1"/>
+          </p:cNvPicPr>
           <p:nvPr>
             <p:ph idx="1"/>
           </p:nvPr>
-        </p:nvSpPr>
-        <p:spPr/>
-        <p:txBody>
-          <a:bodyPr/>
-          <a:lstStyle/>
-          <a:p>
-            <a:endParaRPr lang="en-US"/>
-          </a:p>
-        </p:txBody>
-      </p:sp>
+        </p:nvPicPr>
+        <p:blipFill>
+          <a:blip r:embed="rId2"/>
+          <a:stretch>
+            <a:fillRect/>
+          </a:stretch>
+        </p:blipFill>
+        <p:spPr>
+          <a:xfrm>
+            <a:off x="899297" y="1850690"/>
+            <a:ext cx="5081967" cy="3800474"/>
+          </a:xfrm>
+          <a:prstGeom prst="rect">
+            <a:avLst/>
+          </a:prstGeom>
+        </p:spPr>
+      </p:pic>
+      <p:pic>
+        <p:nvPicPr>
+          <p:cNvPr id="6" name="Picture 5">
+            <a:extLst>
+              <a:ext uri="{FF2B5EF4-FFF2-40B4-BE49-F238E27FC236}">
+                <a16:creationId xmlns:a16="http://schemas.microsoft.com/office/drawing/2014/main" id="{90790F83-DD1D-4F00-834B-EE453B40BE6F}"/>
+              </a:ext>
+            </a:extLst>
+          </p:cNvPr>
+          <p:cNvPicPr>
+            <a:picLocks noChangeAspect="1"/>
+          </p:cNvPicPr>
+          <p:nvPr/>
+        </p:nvPicPr>
+        <p:blipFill>
+          <a:blip r:embed="rId3"/>
+          <a:stretch>
+            <a:fillRect/>
+          </a:stretch>
+        </p:blipFill>
+        <p:spPr>
+          <a:xfrm>
+            <a:off x="6210737" y="1850689"/>
+            <a:ext cx="5391150" cy="3800475"/>
+          </a:xfrm>
+          <a:prstGeom prst="rect">
+            <a:avLst/>
+          </a:prstGeom>
+        </p:spPr>
+      </p:pic>
     </p:spTree>
     <p:extLst>
       <p:ext uri="{BB962C8B-B14F-4D97-AF65-F5344CB8AC3E}">
